--- a/presentations/source/09a-Key Management.pptx
+++ b/presentations/source/09a-Key Management.pptx
@@ -208,7 +208,7 @@
             <a:fld id="{7307762F-A706-E543-A832-3C298AA3103F}" type="datetimeFigureOut">
               <a:rPr lang="en-US" smtClean="0"/>
               <a:pPr/>
-              <a:t>09/12/2012</a:t>
+              <a:t>11/27/13</a:t>
             </a:fld>
             <a:endParaRPr lang="en-US" dirty="0"/>
           </a:p>
@@ -7254,7 +7254,7 @@
           <a:p>
             <a:fld id="{875CF0EB-321F-0749-B37A-89BBA859503C}" type="datetimeFigureOut">
               <a:rPr lang="en-US" smtClean="0"/>
-              <a:t>09/12/2012</a:t>
+              <a:t>11/27/13</a:t>
             </a:fld>
             <a:endParaRPr lang="en-US"/>
           </a:p>
@@ -7458,7 +7458,7 @@
           <a:p>
             <a:fld id="{875CF0EB-321F-0749-B37A-89BBA859503C}" type="datetimeFigureOut">
               <a:rPr lang="en-US" smtClean="0"/>
-              <a:t>09/12/2012</a:t>
+              <a:t>11/27/13</a:t>
             </a:fld>
             <a:endParaRPr lang="en-US"/>
           </a:p>
@@ -7652,7 +7652,7 @@
           <a:p>
             <a:fld id="{875CF0EB-321F-0749-B37A-89BBA859503C}" type="datetimeFigureOut">
               <a:rPr lang="en-US" smtClean="0"/>
-              <a:t>09/12/2012</a:t>
+              <a:t>11/27/13</a:t>
             </a:fld>
             <a:endParaRPr lang="en-US"/>
           </a:p>
@@ -7922,7 +7922,7 @@
           <a:p>
             <a:fld id="{875CF0EB-321F-0749-B37A-89BBA859503C}" type="datetimeFigureOut">
               <a:rPr lang="en-US" smtClean="0"/>
-              <a:t>09/12/2012</a:t>
+              <a:t>11/27/13</a:t>
             </a:fld>
             <a:endParaRPr lang="en-US"/>
           </a:p>
@@ -8234,7 +8234,7 @@
           <a:p>
             <a:fld id="{875CF0EB-321F-0749-B37A-89BBA859503C}" type="datetimeFigureOut">
               <a:rPr lang="en-US" smtClean="0"/>
-              <a:t>09/12/2012</a:t>
+              <a:t>11/27/13</a:t>
             </a:fld>
             <a:endParaRPr lang="en-US"/>
           </a:p>
@@ -8680,7 +8680,7 @@
           <a:p>
             <a:fld id="{875CF0EB-321F-0749-B37A-89BBA859503C}" type="datetimeFigureOut">
               <a:rPr lang="en-US" smtClean="0"/>
-              <a:t>09/12/2012</a:t>
+              <a:t>11/27/13</a:t>
             </a:fld>
             <a:endParaRPr lang="en-US"/>
           </a:p>
@@ -8822,7 +8822,7 @@
           <a:p>
             <a:fld id="{875CF0EB-321F-0749-B37A-89BBA859503C}" type="datetimeFigureOut">
               <a:rPr lang="en-US" smtClean="0"/>
-              <a:t>09/12/2012</a:t>
+              <a:t>11/27/13</a:t>
             </a:fld>
             <a:endParaRPr lang="en-US"/>
           </a:p>
@@ -8941,7 +8941,7 @@
           <a:p>
             <a:fld id="{875CF0EB-321F-0749-B37A-89BBA859503C}" type="datetimeFigureOut">
               <a:rPr lang="en-US" smtClean="0"/>
-              <a:t>09/12/2012</a:t>
+              <a:t>11/27/13</a:t>
             </a:fld>
             <a:endParaRPr lang="en-US"/>
           </a:p>
@@ -9242,7 +9242,7 @@
           <a:p>
             <a:fld id="{875CF0EB-321F-0749-B37A-89BBA859503C}" type="datetimeFigureOut">
               <a:rPr lang="en-US" smtClean="0"/>
-              <a:t>09/12/2012</a:t>
+              <a:t>11/27/13</a:t>
             </a:fld>
             <a:endParaRPr lang="en-US"/>
           </a:p>
@@ -9519,7 +9519,7 @@
           <a:p>
             <a:fld id="{875CF0EB-321F-0749-B37A-89BBA859503C}" type="datetimeFigureOut">
               <a:rPr lang="en-US" smtClean="0"/>
-              <a:t>09/12/2012</a:t>
+              <a:t>11/27/13</a:t>
             </a:fld>
             <a:endParaRPr lang="en-US"/>
           </a:p>
@@ -10324,25 +10324,6 @@
               <a:t>Key Management</a:t>
             </a:r>
             <a:endParaRPr lang="en-US" dirty="0"/>
-          </a:p>
-        </p:txBody>
-      </p:sp>
-      <p:sp>
-        <p:nvSpPr>
-          <p:cNvPr id="3" name="Subtitle 2"/>
-          <p:cNvSpPr>
-            <a:spLocks noGrp="1"/>
-          </p:cNvSpPr>
-          <p:nvPr>
-            <p:ph type="subTitle" idx="1"/>
-          </p:nvPr>
-        </p:nvSpPr>
-        <p:spPr/>
-        <p:txBody>
-          <a:bodyPr/>
-          <a:lstStyle/>
-          <a:p>
-            <a:endParaRPr lang="en-US"/>
           </a:p>
         </p:txBody>
       </p:sp>
